--- a/jeopardy.pptx
+++ b/jeopardy.pptx
@@ -6,10 +6,13 @@
   </p:sldMasterIdLst>
   <p:sldIdLst>
     <p:sldId id="256" r:id="rId2"/>
-    <p:sldId id="257" r:id="rId3"/>
-    <p:sldId id="260" r:id="rId4"/>
-    <p:sldId id="258" r:id="rId5"/>
-    <p:sldId id="259" r:id="rId6"/>
+    <p:sldId id="264" r:id="rId3"/>
+    <p:sldId id="257" r:id="rId4"/>
+    <p:sldId id="260" r:id="rId5"/>
+    <p:sldId id="258" r:id="rId6"/>
+    <p:sldId id="259" r:id="rId7"/>
+    <p:sldId id="261" r:id="rId8"/>
+    <p:sldId id="262" r:id="rId9"/>
   </p:sldIdLst>
   <p:sldSz cx="12192000" cy="6858000"/>
   <p:notesSz cx="6858000" cy="9144000"/>
@@ -108,6 +111,11 @@
       </a:defRPr>
     </a:lvl9pPr>
   </p:defaultTextStyle>
+  <p:extLst>
+    <p:ext uri="{EFAFB233-063F-42B5-8137-9DF3F51BA10A}">
+      <p15:sldGuideLst xmlns:p15="http://schemas.microsoft.com/office/powerpoint/2012/main"/>
+    </p:ext>
+  </p:extLst>
 </p:presentation>
 </file>
 
@@ -446,7 +454,7 @@
           <a:p>
             <a:fld id="{F947EFD1-E69C-49F3-846C-D3C5ED25ABAD}" type="datetimeFigureOut">
               <a:rPr lang="en-US" smtClean="0"/>
-              <a:t>3/26/2023</a:t>
+              <a:t>3/27/2023</a:t>
             </a:fld>
             <a:endParaRPr lang="en-US"/>
           </a:p>
@@ -1534,7 +1542,7 @@
           <a:p>
             <a:fld id="{F947EFD1-E69C-49F3-846C-D3C5ED25ABAD}" type="datetimeFigureOut">
               <a:rPr lang="en-US" smtClean="0"/>
-              <a:t>3/26/2023</a:t>
+              <a:t>3/27/2023</a:t>
             </a:fld>
             <a:endParaRPr lang="en-US"/>
           </a:p>
@@ -2514,7 +2522,7 @@
           <a:p>
             <a:fld id="{F947EFD1-E69C-49F3-846C-D3C5ED25ABAD}" type="datetimeFigureOut">
               <a:rPr lang="en-US" smtClean="0"/>
-              <a:t>3/26/2023</a:t>
+              <a:t>3/27/2023</a:t>
             </a:fld>
             <a:endParaRPr lang="en-US"/>
           </a:p>
@@ -3648,7 +3656,7 @@
           <a:p>
             <a:fld id="{F947EFD1-E69C-49F3-846C-D3C5ED25ABAD}" type="datetimeFigureOut">
               <a:rPr lang="en-US" smtClean="0"/>
-              <a:t>3/26/2023</a:t>
+              <a:t>3/27/2023</a:t>
             </a:fld>
             <a:endParaRPr lang="en-US"/>
           </a:p>
@@ -4681,7 +4689,7 @@
           <a:p>
             <a:fld id="{F947EFD1-E69C-49F3-846C-D3C5ED25ABAD}" type="datetimeFigureOut">
               <a:rPr lang="en-US" smtClean="0"/>
-              <a:t>3/26/2023</a:t>
+              <a:t>3/27/2023</a:t>
             </a:fld>
             <a:endParaRPr lang="en-US"/>
           </a:p>
@@ -5341,7 +5349,7 @@
           <a:p>
             <a:fld id="{F947EFD1-E69C-49F3-846C-D3C5ED25ABAD}" type="datetimeFigureOut">
               <a:rPr lang="en-US" smtClean="0"/>
-              <a:t>3/26/2023</a:t>
+              <a:t>3/27/2023</a:t>
             </a:fld>
             <a:endParaRPr lang="en-US"/>
           </a:p>
@@ -6202,7 +6210,7 @@
           <a:p>
             <a:fld id="{F947EFD1-E69C-49F3-846C-D3C5ED25ABAD}" type="datetimeFigureOut">
               <a:rPr lang="en-US" smtClean="0"/>
-              <a:t>3/26/2023</a:t>
+              <a:t>3/27/2023</a:t>
             </a:fld>
             <a:endParaRPr lang="en-US"/>
           </a:p>
@@ -6392,7 +6400,7 @@
           <a:p>
             <a:fld id="{F947EFD1-E69C-49F3-846C-D3C5ED25ABAD}" type="datetimeFigureOut">
               <a:rPr lang="en-US" smtClean="0"/>
-              <a:t>3/26/2023</a:t>
+              <a:t>3/27/2023</a:t>
             </a:fld>
             <a:endParaRPr lang="en-US"/>
           </a:p>
@@ -7364,7 +7372,7 @@
           <a:p>
             <a:fld id="{F947EFD1-E69C-49F3-846C-D3C5ED25ABAD}" type="datetimeFigureOut">
               <a:rPr lang="en-US" smtClean="0"/>
-              <a:t>3/26/2023</a:t>
+              <a:t>3/27/2023</a:t>
             </a:fld>
             <a:endParaRPr lang="en-US"/>
           </a:p>
@@ -7575,7 +7583,7 @@
           <a:p>
             <a:fld id="{F947EFD1-E69C-49F3-846C-D3C5ED25ABAD}" type="datetimeFigureOut">
               <a:rPr lang="en-US" smtClean="0"/>
-              <a:t>3/26/2023</a:t>
+              <a:t>3/27/2023</a:t>
             </a:fld>
             <a:endParaRPr lang="en-US"/>
           </a:p>
@@ -8609,7 +8617,7 @@
           <a:p>
             <a:fld id="{F947EFD1-E69C-49F3-846C-D3C5ED25ABAD}" type="datetimeFigureOut">
               <a:rPr lang="en-US" smtClean="0"/>
-              <a:t>3/26/2023</a:t>
+              <a:t>3/27/2023</a:t>
             </a:fld>
             <a:endParaRPr lang="en-US"/>
           </a:p>
@@ -8881,7 +8889,7 @@
           <a:p>
             <a:fld id="{F947EFD1-E69C-49F3-846C-D3C5ED25ABAD}" type="datetimeFigureOut">
               <a:rPr lang="en-US" smtClean="0"/>
-              <a:t>3/26/2023</a:t>
+              <a:t>3/27/2023</a:t>
             </a:fld>
             <a:endParaRPr lang="en-US"/>
           </a:p>
@@ -9291,7 +9299,7 @@
           <a:p>
             <a:fld id="{F947EFD1-E69C-49F3-846C-D3C5ED25ABAD}" type="datetimeFigureOut">
               <a:rPr lang="en-US" smtClean="0"/>
-              <a:t>3/26/2023</a:t>
+              <a:t>3/27/2023</a:t>
             </a:fld>
             <a:endParaRPr lang="en-US"/>
           </a:p>
@@ -9418,7 +9426,7 @@
           <a:p>
             <a:fld id="{F947EFD1-E69C-49F3-846C-D3C5ED25ABAD}" type="datetimeFigureOut">
               <a:rPr lang="en-US" smtClean="0"/>
-              <a:t>3/26/2023</a:t>
+              <a:t>3/27/2023</a:t>
             </a:fld>
             <a:endParaRPr lang="en-US"/>
           </a:p>
@@ -9513,7 +9521,7 @@
           <a:p>
             <a:fld id="{F947EFD1-E69C-49F3-846C-D3C5ED25ABAD}" type="datetimeFigureOut">
               <a:rPr lang="en-US" smtClean="0"/>
-              <a:t>3/26/2023</a:t>
+              <a:t>3/27/2023</a:t>
             </a:fld>
             <a:endParaRPr lang="en-US"/>
           </a:p>
@@ -10594,7 +10602,7 @@
           <a:p>
             <a:fld id="{F947EFD1-E69C-49F3-846C-D3C5ED25ABAD}" type="datetimeFigureOut">
               <a:rPr lang="en-US" smtClean="0"/>
-              <a:t>3/26/2023</a:t>
+              <a:t>3/27/2023</a:t>
             </a:fld>
             <a:endParaRPr lang="en-US"/>
           </a:p>
@@ -11702,7 +11710,7 @@
           <a:p>
             <a:fld id="{F947EFD1-E69C-49F3-846C-D3C5ED25ABAD}" type="datetimeFigureOut">
               <a:rPr lang="en-US" smtClean="0"/>
-              <a:t>3/26/2023</a:t>
+              <a:t>3/27/2023</a:t>
             </a:fld>
             <a:endParaRPr lang="en-US"/>
           </a:p>
@@ -12699,7 +12707,7 @@
           <a:p>
             <a:fld id="{F947EFD1-E69C-49F3-846C-D3C5ED25ABAD}" type="datetimeFigureOut">
               <a:rPr lang="en-US" smtClean="0"/>
-              <a:t>3/26/2023</a:t>
+              <a:t>3/27/2023</a:t>
             </a:fld>
             <a:endParaRPr lang="en-US"/>
           </a:p>
@@ -13367,6 +13375,70 @@
 </file>
 
 <file path=ppt/slides/slide2.xml><?xml version="1.0" encoding="utf-8"?>
+<p:sld xmlns:a="http://schemas.openxmlformats.org/drawingml/2006/main" xmlns:r="http://schemas.openxmlformats.org/officeDocument/2006/relationships" xmlns:p="http://schemas.openxmlformats.org/presentationml/2006/main">
+  <p:cSld>
+    <p:spTree>
+      <p:nvGrpSpPr>
+        <p:cNvPr id="1" name=""/>
+        <p:cNvGrpSpPr/>
+        <p:nvPr/>
+      </p:nvGrpSpPr>
+      <p:grpSpPr>
+        <a:xfrm>
+          <a:off x="0" y="0"/>
+          <a:ext cx="0" cy="0"/>
+          <a:chOff x="0" y="0"/>
+          <a:chExt cx="0" cy="0"/>
+        </a:xfrm>
+      </p:grpSpPr>
+      <p:sp>
+        <p:nvSpPr>
+          <p:cNvPr id="2" name="Title 1">
+            <a:extLst>
+              <a:ext uri="{FF2B5EF4-FFF2-40B4-BE49-F238E27FC236}">
+                <a16:creationId xmlns:a16="http://schemas.microsoft.com/office/drawing/2014/main" id="{40E9C9C0-75D8-4D00-7817-6EF7FD3F9B94}"/>
+              </a:ext>
+            </a:extLst>
+          </p:cNvPr>
+          <p:cNvSpPr>
+            <a:spLocks noGrp="1"/>
+          </p:cNvSpPr>
+          <p:nvPr>
+            <p:ph type="ctrTitle"/>
+          </p:nvPr>
+        </p:nvSpPr>
+        <p:spPr>
+          <a:xfrm>
+            <a:off x="1354740" y="1068081"/>
+            <a:ext cx="9203122" cy="2933213"/>
+          </a:xfrm>
+        </p:spPr>
+        <p:txBody>
+          <a:bodyPr/>
+          <a:lstStyle/>
+          <a:p>
+            <a:pPr algn="ctr"/>
+            <a:r>
+              <a:rPr lang="en-US" sz="15000" dirty="0"/>
+              <a:t>Demo</a:t>
+            </a:r>
+          </a:p>
+        </p:txBody>
+      </p:sp>
+    </p:spTree>
+    <p:extLst>
+      <p:ext uri="{BB962C8B-B14F-4D97-AF65-F5344CB8AC3E}">
+        <p14:creationId xmlns:p14="http://schemas.microsoft.com/office/powerpoint/2010/main" val="1566878924"/>
+      </p:ext>
+    </p:extLst>
+  </p:cSld>
+  <p:clrMapOvr>
+    <a:masterClrMapping/>
+  </p:clrMapOvr>
+</p:sld>
+</file>
+
+<file path=ppt/slides/slide3.xml><?xml version="1.0" encoding="utf-8"?>
 <p:sld xmlns:a="http://schemas.openxmlformats.org/drawingml/2006/main" xmlns:r="http://schemas.openxmlformats.org/officeDocument/2006/relationships" xmlns:p="http://schemas.openxmlformats.org/presentationml/2006/main">
   <p:cSld>
     <p:bg>
@@ -14396,7 +14468,7 @@
 </p:sld>
 </file>
 
-<file path=ppt/slides/slide3.xml><?xml version="1.0" encoding="utf-8"?>
+<file path=ppt/slides/slide4.xml><?xml version="1.0" encoding="utf-8"?>
 <p:sld xmlns:a="http://schemas.openxmlformats.org/drawingml/2006/main" xmlns:r="http://schemas.openxmlformats.org/officeDocument/2006/relationships" xmlns:p="http://schemas.openxmlformats.org/presentationml/2006/main">
   <p:cSld>
     <p:spTree>
@@ -14536,7 +14608,7 @@
 </p:sld>
 </file>
 
-<file path=ppt/slides/slide4.xml><?xml version="1.0" encoding="utf-8"?>
+<file path=ppt/slides/slide5.xml><?xml version="1.0" encoding="utf-8"?>
 <p:sld xmlns:a="http://schemas.openxmlformats.org/drawingml/2006/main" xmlns:r="http://schemas.openxmlformats.org/officeDocument/2006/relationships" xmlns:p="http://schemas.openxmlformats.org/presentationml/2006/main">
   <p:cSld>
     <p:spTree>
@@ -14619,7 +14691,7 @@
 </p:sld>
 </file>
 
-<file path=ppt/slides/slide5.xml><?xml version="1.0" encoding="utf-8"?>
+<file path=ppt/slides/slide6.xml><?xml version="1.0" encoding="utf-8"?>
 <p:sld xmlns:a="http://schemas.openxmlformats.org/drawingml/2006/main" xmlns:r="http://schemas.openxmlformats.org/officeDocument/2006/relationships" xmlns:p="http://schemas.openxmlformats.org/presentationml/2006/main">
   <p:cSld>
     <p:spTree>
@@ -14680,6 +14752,349 @@
             <p:ph idx="1"/>
           </p:nvPr>
         </p:nvSpPr>
+        <p:spPr>
+          <a:xfrm>
+            <a:off x="1154955" y="2603500"/>
+            <a:ext cx="5776044" cy="3416300"/>
+          </a:xfrm>
+        </p:spPr>
+        <p:txBody>
+          <a:bodyPr/>
+          <a:lstStyle/>
+          <a:p>
+            <a:r>
+              <a:rPr lang="en-US" dirty="0"/>
+              <a:t>We used certain session variables to keep track of things like</a:t>
+            </a:r>
+          </a:p>
+          <a:p>
+            <a:pPr lvl="1"/>
+            <a:r>
+              <a:rPr lang="en-US" dirty="0"/>
+              <a:t>Team 1 points</a:t>
+            </a:r>
+          </a:p>
+          <a:p>
+            <a:pPr lvl="1"/>
+            <a:r>
+              <a:rPr lang="en-US" dirty="0"/>
+              <a:t>Team 2 points</a:t>
+            </a:r>
+          </a:p>
+          <a:p>
+            <a:pPr lvl="1"/>
+            <a:r>
+              <a:rPr lang="en-US" dirty="0"/>
+              <a:t>The user</a:t>
+            </a:r>
+          </a:p>
+          <a:p>
+            <a:r>
+              <a:rPr lang="en-US" dirty="0"/>
+              <a:t>We also passed information to the question page by adding a variable to the </a:t>
+            </a:r>
+            <a:r>
+              <a:rPr lang="en-US" dirty="0" err="1"/>
+              <a:t>href</a:t>
+            </a:r>
+            <a:r>
+              <a:rPr lang="en-US" dirty="0"/>
+              <a:t> link, and using $_GET['id’] to read that value</a:t>
+            </a:r>
+          </a:p>
+          <a:p>
+            <a:pPr lvl="2"/>
+            <a:endParaRPr lang="en-US" dirty="0"/>
+          </a:p>
+        </p:txBody>
+      </p:sp>
+      <p:pic>
+        <p:nvPicPr>
+          <p:cNvPr id="5" name="Picture 4">
+            <a:extLst>
+              <a:ext uri="{FF2B5EF4-FFF2-40B4-BE49-F238E27FC236}">
+                <a16:creationId xmlns:a16="http://schemas.microsoft.com/office/drawing/2014/main" id="{A8C7787C-661E-B453-55AC-AED22CF038F2}"/>
+              </a:ext>
+            </a:extLst>
+          </p:cNvPr>
+          <p:cNvPicPr>
+            <a:picLocks noChangeAspect="1"/>
+          </p:cNvPicPr>
+          <p:nvPr/>
+        </p:nvPicPr>
+        <p:blipFill>
+          <a:blip r:embed="rId2"/>
+          <a:stretch>
+            <a:fillRect/>
+          </a:stretch>
+        </p:blipFill>
+        <p:spPr>
+          <a:xfrm>
+            <a:off x="7220057" y="2680339"/>
+            <a:ext cx="4840196" cy="1246865"/>
+          </a:xfrm>
+          <a:prstGeom prst="rect">
+            <a:avLst/>
+          </a:prstGeom>
+        </p:spPr>
+      </p:pic>
+      <p:pic>
+        <p:nvPicPr>
+          <p:cNvPr id="7" name="Picture 6">
+            <a:extLst>
+              <a:ext uri="{FF2B5EF4-FFF2-40B4-BE49-F238E27FC236}">
+                <a16:creationId xmlns:a16="http://schemas.microsoft.com/office/drawing/2014/main" id="{CC1BB8C0-96A4-44BB-9C7F-A9419298364E}"/>
+              </a:ext>
+            </a:extLst>
+          </p:cNvPr>
+          <p:cNvPicPr>
+            <a:picLocks noChangeAspect="1"/>
+          </p:cNvPicPr>
+          <p:nvPr/>
+        </p:nvPicPr>
+        <p:blipFill>
+          <a:blip r:embed="rId3"/>
+          <a:stretch>
+            <a:fillRect/>
+          </a:stretch>
+        </p:blipFill>
+        <p:spPr>
+          <a:xfrm>
+            <a:off x="7217707" y="3951502"/>
+            <a:ext cx="4811720" cy="1268010"/>
+          </a:xfrm>
+          <a:prstGeom prst="rect">
+            <a:avLst/>
+          </a:prstGeom>
+        </p:spPr>
+      </p:pic>
+      <p:pic>
+        <p:nvPicPr>
+          <p:cNvPr id="9" name="Picture 8">
+            <a:extLst>
+              <a:ext uri="{FF2B5EF4-FFF2-40B4-BE49-F238E27FC236}">
+                <a16:creationId xmlns:a16="http://schemas.microsoft.com/office/drawing/2014/main" id="{25FD9676-2F72-94F4-D636-6ADC4C2DDB46}"/>
+              </a:ext>
+            </a:extLst>
+          </p:cNvPr>
+          <p:cNvPicPr>
+            <a:picLocks noChangeAspect="1"/>
+          </p:cNvPicPr>
+          <p:nvPr/>
+        </p:nvPicPr>
+        <p:blipFill>
+          <a:blip r:embed="rId4"/>
+          <a:stretch>
+            <a:fillRect/>
+          </a:stretch>
+        </p:blipFill>
+        <p:spPr>
+          <a:xfrm>
+            <a:off x="7220055" y="5249820"/>
+            <a:ext cx="4811721" cy="628470"/>
+          </a:xfrm>
+          <a:prstGeom prst="rect">
+            <a:avLst/>
+          </a:prstGeom>
+        </p:spPr>
+      </p:pic>
+    </p:spTree>
+    <p:extLst>
+      <p:ext uri="{BB962C8B-B14F-4D97-AF65-F5344CB8AC3E}">
+        <p14:creationId xmlns:p14="http://schemas.microsoft.com/office/powerpoint/2010/main" val="1453606362"/>
+      </p:ext>
+    </p:extLst>
+  </p:cSld>
+  <p:clrMapOvr>
+    <a:masterClrMapping/>
+  </p:clrMapOvr>
+</p:sld>
+</file>
+
+<file path=ppt/slides/slide7.xml><?xml version="1.0" encoding="utf-8"?>
+<p:sld xmlns:a="http://schemas.openxmlformats.org/drawingml/2006/main" xmlns:r="http://schemas.openxmlformats.org/officeDocument/2006/relationships" xmlns:p="http://schemas.openxmlformats.org/presentationml/2006/main">
+  <p:cSld>
+    <p:spTree>
+      <p:nvGrpSpPr>
+        <p:cNvPr id="1" name=""/>
+        <p:cNvGrpSpPr/>
+        <p:nvPr/>
+      </p:nvGrpSpPr>
+      <p:grpSpPr>
+        <a:xfrm>
+          <a:off x="0" y="0"/>
+          <a:ext cx="0" cy="0"/>
+          <a:chOff x="0" y="0"/>
+          <a:chExt cx="0" cy="0"/>
+        </a:xfrm>
+      </p:grpSpPr>
+      <p:sp>
+        <p:nvSpPr>
+          <p:cNvPr id="2" name="Title 1">
+            <a:extLst>
+              <a:ext uri="{FF2B5EF4-FFF2-40B4-BE49-F238E27FC236}">
+                <a16:creationId xmlns:a16="http://schemas.microsoft.com/office/drawing/2014/main" id="{E37BC4BF-8398-9FE2-4F50-AD5310155824}"/>
+              </a:ext>
+            </a:extLst>
+          </p:cNvPr>
+          <p:cNvSpPr>
+            <a:spLocks noGrp="1"/>
+          </p:cNvSpPr>
+          <p:nvPr>
+            <p:ph type="title"/>
+          </p:nvPr>
+        </p:nvSpPr>
+        <p:spPr/>
+        <p:txBody>
+          <a:bodyPr/>
+          <a:lstStyle/>
+          <a:p>
+            <a:r>
+              <a:rPr lang="en-US" dirty="0"/>
+              <a:t>Scrum</a:t>
+            </a:r>
+          </a:p>
+        </p:txBody>
+      </p:sp>
+      <p:sp>
+        <p:nvSpPr>
+          <p:cNvPr id="3" name="Content Placeholder 2">
+            <a:extLst>
+              <a:ext uri="{FF2B5EF4-FFF2-40B4-BE49-F238E27FC236}">
+                <a16:creationId xmlns:a16="http://schemas.microsoft.com/office/drawing/2014/main" id="{3273DD6F-E874-7F0C-FA78-9EA009478278}"/>
+              </a:ext>
+            </a:extLst>
+          </p:cNvPr>
+          <p:cNvSpPr>
+            <a:spLocks noGrp="1"/>
+          </p:cNvSpPr>
+          <p:nvPr>
+            <p:ph idx="1"/>
+          </p:nvPr>
+        </p:nvSpPr>
+        <p:spPr>
+          <a:xfrm>
+            <a:off x="1154955" y="2603500"/>
+            <a:ext cx="4724821" cy="3416300"/>
+          </a:xfrm>
+        </p:spPr>
+        <p:txBody>
+          <a:bodyPr>
+            <a:normAutofit/>
+          </a:bodyPr>
+          <a:lstStyle/>
+          <a:p>
+            <a:r>
+              <a:rPr lang="en-US" sz="2400" dirty="0"/>
+              <a:t>The Scrum framework helped our team keep track of the progress of our project due to the constant check ups. This was useful to know how much work is left, and how to break up that work.</a:t>
+            </a:r>
+          </a:p>
+        </p:txBody>
+      </p:sp>
+      <p:pic>
+        <p:nvPicPr>
+          <p:cNvPr id="5" name="Picture 4">
+            <a:extLst>
+              <a:ext uri="{FF2B5EF4-FFF2-40B4-BE49-F238E27FC236}">
+                <a16:creationId xmlns:a16="http://schemas.microsoft.com/office/drawing/2014/main" id="{6EEC245B-53C2-E5E7-38FE-0511D5FBFC30}"/>
+              </a:ext>
+            </a:extLst>
+          </p:cNvPr>
+          <p:cNvPicPr>
+            <a:picLocks noChangeAspect="1"/>
+          </p:cNvPicPr>
+          <p:nvPr/>
+        </p:nvPicPr>
+        <p:blipFill>
+          <a:blip r:embed="rId2"/>
+          <a:stretch>
+            <a:fillRect/>
+          </a:stretch>
+        </p:blipFill>
+        <p:spPr>
+          <a:xfrm>
+            <a:off x="5879776" y="2271860"/>
+            <a:ext cx="6312224" cy="4064209"/>
+          </a:xfrm>
+          <a:prstGeom prst="rect">
+            <a:avLst/>
+          </a:prstGeom>
+        </p:spPr>
+      </p:pic>
+    </p:spTree>
+    <p:extLst>
+      <p:ext uri="{BB962C8B-B14F-4D97-AF65-F5344CB8AC3E}">
+        <p14:creationId xmlns:p14="http://schemas.microsoft.com/office/powerpoint/2010/main" val="1724556099"/>
+      </p:ext>
+    </p:extLst>
+  </p:cSld>
+  <p:clrMapOvr>
+    <a:masterClrMapping/>
+  </p:clrMapOvr>
+</p:sld>
+</file>
+
+<file path=ppt/slides/slide8.xml><?xml version="1.0" encoding="utf-8"?>
+<p:sld xmlns:a="http://schemas.openxmlformats.org/drawingml/2006/main" xmlns:r="http://schemas.openxmlformats.org/officeDocument/2006/relationships" xmlns:p="http://schemas.openxmlformats.org/presentationml/2006/main">
+  <p:cSld>
+    <p:spTree>
+      <p:nvGrpSpPr>
+        <p:cNvPr id="1" name=""/>
+        <p:cNvGrpSpPr/>
+        <p:nvPr/>
+      </p:nvGrpSpPr>
+      <p:grpSpPr>
+        <a:xfrm>
+          <a:off x="0" y="0"/>
+          <a:ext cx="0" cy="0"/>
+          <a:chOff x="0" y="0"/>
+          <a:chExt cx="0" cy="0"/>
+        </a:xfrm>
+      </p:grpSpPr>
+      <p:sp>
+        <p:nvSpPr>
+          <p:cNvPr id="2" name="Title 1">
+            <a:extLst>
+              <a:ext uri="{FF2B5EF4-FFF2-40B4-BE49-F238E27FC236}">
+                <a16:creationId xmlns:a16="http://schemas.microsoft.com/office/drawing/2014/main" id="{1B65688D-80A5-F9A5-BF0E-E0352AF96813}"/>
+              </a:ext>
+            </a:extLst>
+          </p:cNvPr>
+          <p:cNvSpPr>
+            <a:spLocks noGrp="1"/>
+          </p:cNvSpPr>
+          <p:nvPr>
+            <p:ph type="title"/>
+          </p:nvPr>
+        </p:nvSpPr>
+        <p:spPr/>
+        <p:txBody>
+          <a:bodyPr/>
+          <a:lstStyle/>
+          <a:p>
+            <a:r>
+              <a:rPr lang="en-US" dirty="0"/>
+              <a:t>Testing</a:t>
+            </a:r>
+          </a:p>
+        </p:txBody>
+      </p:sp>
+      <p:sp>
+        <p:nvSpPr>
+          <p:cNvPr id="3" name="Content Placeholder 2">
+            <a:extLst>
+              <a:ext uri="{FF2B5EF4-FFF2-40B4-BE49-F238E27FC236}">
+                <a16:creationId xmlns:a16="http://schemas.microsoft.com/office/drawing/2014/main" id="{E7EFCD57-AFDE-99CE-B0ED-02337FB34E0E}"/>
+              </a:ext>
+            </a:extLst>
+          </p:cNvPr>
+          <p:cNvSpPr>
+            <a:spLocks noGrp="1"/>
+          </p:cNvSpPr>
+          <p:nvPr>
+            <p:ph idx="1"/>
+          </p:nvPr>
+        </p:nvSpPr>
         <p:spPr/>
         <p:txBody>
           <a:bodyPr/>
@@ -14692,7 +15107,7 @@
     </p:spTree>
     <p:extLst>
       <p:ext uri="{BB962C8B-B14F-4D97-AF65-F5344CB8AC3E}">
-        <p14:creationId xmlns:p14="http://schemas.microsoft.com/office/powerpoint/2010/main" val="1453606362"/>
+        <p14:creationId xmlns:p14="http://schemas.microsoft.com/office/powerpoint/2010/main" val="837661731"/>
       </p:ext>
     </p:extLst>
   </p:cSld>
